--- a/内置分析介绍与引用.pptx
+++ b/内置分析介绍与引用.pptx
@@ -3798,9 +3798,13 @@
           <a:p>
             <a:r>
               <a:rPr lang="zh-CN" altLang="en-US"/>
-              <a:t>​遗传相关性分析：HDL</a:t>
-            </a:r>
-            <a:endParaRPr lang="zh-CN" altLang="en-US"/>
+              <a:t>​遗传相关性分析：</a:t>
+            </a:r>
+            <a:r>
+              <a:rPr lang="en-US" altLang="zh-CN"/>
+              <a:t>LDSC</a:t>
+            </a:r>
+            <a:endParaRPr lang="en-US" altLang="zh-CN"/>
           </a:p>
         </p:txBody>
       </p:sp>
@@ -3985,7 +3989,7 @@
                 <a:latin typeface="+mn-ea"/>
                 <a:sym typeface="+mn-ea"/>
               </a:rPr>
-              <a:t>遗传相关性是理解复杂性状之间共享遗传结构的核心参数。通过使用来自全基因组关联研究 （GWAS） 的汇总统计，开发了连锁不平衡评分回归 （LDSC） 用于遗传相关性的无偏估计。虽然 LDSC 易于使用，但仅部分利用了 LD 信息。通过充分考虑整个基因组的 LD，我们开发了一种高清似然 （HDL） 方法，以提高遗传相关性估计的精度。与 LDSC 相比，HDL 将遗传相关性估计的方差降低了约 60%，相当于样本量增加了 2.5 倍。</a:t>
+              <a:t>遗传相关性是理解复杂性状之间共享遗传结构的核心参数。通过使用来自全基因组关联研究 （GWAS） 的汇总统计，开发了连锁不平衡评分回归 （LDSC） 用于遗传相关性的无偏估计。</a:t>
             </a:r>
             <a:endParaRPr lang="zh-CN" altLang="en-US" sz="1600" kern="0" dirty="0">
               <a:ln>
@@ -4003,7 +4007,7 @@
             </a:endParaRPr>
           </a:p>
           <a:p>
-            <a:pPr marL="457200" lvl="1" indent="0" fontAlgn="auto">
+            <a:pPr marL="0" lvl="0" indent="0" fontAlgn="auto">
               <a:lnSpc>
                 <a:spcPct val="150000"/>
               </a:lnSpc>
@@ -4739,7 +4743,7 @@
             </a:endParaRPr>
           </a:p>
           <a:p>
-            <a:pPr marL="457200" lvl="1" indent="0" fontAlgn="auto">
+            <a:pPr marL="0" lvl="0" indent="0" fontAlgn="auto">
               <a:lnSpc>
                 <a:spcPct val="150000"/>
               </a:lnSpc>
@@ -4777,11 +4781,28 @@
             </a:endParaRPr>
           </a:p>
           <a:p>
-            <a:pPr marL="914400" lvl="2" indent="0" fontAlgn="auto">
+            <a:pPr marL="0" lvl="0" indent="0" fontAlgn="auto">
               <a:lnSpc>
                 <a:spcPct val="150000"/>
               </a:lnSpc>
             </a:pPr>
+            <a:r>
+              <a:rPr lang="zh-CN" altLang="en-US" sz="1600" b="1" kern="0" dirty="0">
+                <a:ln>
+                  <a:noFill/>
+                  <a:prstDash val="sysDot"/>
+                </a:ln>
+                <a:solidFill>
+                  <a:schemeClr val="tx1">
+                    <a:lumMod val="85000"/>
+                    <a:lumOff val="15000"/>
+                  </a:schemeClr>
+                </a:solidFill>
+                <a:latin typeface="+mn-ea"/>
+                <a:sym typeface="+mn-ea"/>
+              </a:rPr>
+              <a:t>for univariate analysis</a:t>
+            </a:r>
             <a:r>
               <a:rPr lang="zh-CN" altLang="en-US" sz="1600" kern="0" dirty="0">
                 <a:ln>
@@ -4797,7 +4818,7 @@
                 <a:latin typeface="+mn-ea"/>
                 <a:sym typeface="+mn-ea"/>
               </a:rPr>
-              <a:t>for univariate analysis: D. Holland et al., Beyond SNP Heritability: Polygenicity and Discoverability Estimated for Multiple Phenotypes with a Univariate Gaussian Mixture Model, PLOS Genetics, 2020, https://doi.org/10.1371/journal.pgen.1008612IF: 4.0 Q1</a:t>
+              <a:t>: D. Holland et al., Beyond SNP Heritability: Polygenicity and Discoverability Estimated for Multiple Phenotypes with a Univariate Gaussian Mixture Model, PLOS Genetics, 2020, https://doi.org/10.1371/journal.pgen.1008612IF: 4.0 Q1</a:t>
             </a:r>
             <a:endParaRPr lang="zh-CN" altLang="en-US" sz="1600" kern="0" dirty="0">
               <a:ln>
@@ -4815,11 +4836,28 @@
             </a:endParaRPr>
           </a:p>
           <a:p>
-            <a:pPr marL="457200" lvl="1" indent="0" fontAlgn="auto">
+            <a:pPr marL="0" lvl="0" indent="0" fontAlgn="auto">
               <a:lnSpc>
                 <a:spcPct val="150000"/>
               </a:lnSpc>
             </a:pPr>
+            <a:r>
+              <a:rPr lang="zh-CN" altLang="en-US" sz="1600" b="1" kern="0" dirty="0">
+                <a:ln>
+                  <a:noFill/>
+                  <a:prstDash val="sysDot"/>
+                </a:ln>
+                <a:solidFill>
+                  <a:schemeClr val="tx1">
+                    <a:lumMod val="85000"/>
+                    <a:lumOff val="15000"/>
+                  </a:schemeClr>
+                </a:solidFill>
+                <a:latin typeface="+mn-ea"/>
+                <a:sym typeface="+mn-ea"/>
+              </a:rPr>
+              <a:t>for cross-trait analysis</a:t>
+            </a:r>
             <a:r>
               <a:rPr lang="zh-CN" altLang="en-US" sz="1600" kern="0" dirty="0">
                 <a:ln>
@@ -4835,7 +4873,7 @@
                 <a:latin typeface="+mn-ea"/>
                 <a:sym typeface="+mn-ea"/>
               </a:rPr>
-              <a:t>for cross-trait analysis: O.Frei et al., Bivariate causal mixture model quantifies polygenic overlap between complex traits beyond genetic correlation, Nature Communications, 2019, https://www.nature.com/articles/s41467-019-10310-0</a:t>
+              <a:t>: O.Frei et al., Bivariate causal mixture model quantifies polygenic overlap between complex traits beyond genetic correlation, Nature Communications, 2019, https://www.nature.com/articles/s41467-019-10310-0</a:t>
             </a:r>
             <a:endParaRPr lang="zh-CN" altLang="en-US" sz="1600" kern="0" dirty="0">
               <a:ln>
@@ -4902,9 +4940,13 @@
           <a:p>
             <a:r>
               <a:rPr lang="zh-CN" altLang="en-US"/>
-              <a:t>跨性状分析：conjFDR</a:t>
-            </a:r>
-            <a:endParaRPr lang="zh-CN" altLang="en-US"/>
+              <a:t>跨性状分析：</a:t>
+            </a:r>
+            <a:r>
+              <a:rPr lang="en-US" altLang="zh-CN"/>
+              <a:t>ASSET</a:t>
+            </a:r>
+            <a:endParaRPr lang="en-US" altLang="zh-CN"/>
           </a:p>
         </p:txBody>
       </p:sp>
@@ -5075,6 +5117,23 @@
               </a:lnSpc>
             </a:pPr>
             <a:r>
+              <a:rPr lang="en-US" altLang="zh-CN" sz="1600" kern="0" dirty="0">
+                <a:ln>
+                  <a:noFill/>
+                  <a:prstDash val="sysDot"/>
+                </a:ln>
+                <a:solidFill>
+                  <a:schemeClr val="tx1">
+                    <a:lumMod val="85000"/>
+                    <a:lumOff val="15000"/>
+                  </a:schemeClr>
+                </a:solidFill>
+                <a:latin typeface="+mn-ea"/>
+                <a:sym typeface="+mn-ea"/>
+              </a:rPr>
+              <a:t>ASSET </a:t>
+            </a:r>
+            <a:r>
               <a:rPr lang="zh-CN" altLang="en-US" sz="1600" kern="0" dirty="0">
                 <a:ln>
                   <a:noFill/>
@@ -5089,7 +5148,109 @@
                 <a:latin typeface="+mn-ea"/>
                 <a:sym typeface="+mn-ea"/>
               </a:rPr>
-              <a:t>ConjFDR（Conjunction False Discovery Rate）是一种统计方法，用于联合分析多组学数据（如GWAS和eQTL），检测跨数据集共享的显著信号。其核心思想是通过整合两个独立假设检验的p值（如基因变异与表型的关联p值，以及该变异与基因表达的关联p值），计算联合错误发现率（FDR），从而识别具有生物学意义的共关联位点。该方法通过估计零假设下的联合p值分布，并基于经验贝叶斯框架校正多重假设检验，提高统计效力。ConjFDR特别适用于发现同时影响表型和分子特征的遗传位点，广泛应用于复杂性状的跨组学分析。</a:t>
+              <a:t>是一种高效的统计方法，专门用于整合多个研究中的关联信号，尤其适用于效应可能仅存在于部分研究或方向相反的情况。它通过搜索所有可能的子集，计算各子集的</a:t>
+            </a:r>
+            <a:r>
+              <a:rPr lang="en-US" altLang="zh-CN" sz="1600" kern="0" dirty="0">
+                <a:ln>
+                  <a:noFill/>
+                  <a:prstDash val="sysDot"/>
+                </a:ln>
+                <a:solidFill>
+                  <a:schemeClr val="tx1">
+                    <a:lumMod val="85000"/>
+                    <a:lumOff val="15000"/>
+                  </a:schemeClr>
+                </a:solidFill>
+                <a:latin typeface="+mn-ea"/>
+                <a:sym typeface="+mn-ea"/>
+              </a:rPr>
+              <a:t>Meta</a:t>
+            </a:r>
+            <a:r>
+              <a:rPr lang="zh-CN" altLang="en-US" sz="1600" kern="0" dirty="0">
+                <a:ln>
+                  <a:noFill/>
+                  <a:prstDash val="sysDot"/>
+                </a:ln>
+                <a:solidFill>
+                  <a:schemeClr val="tx1">
+                    <a:lumMod val="85000"/>
+                    <a:lumOff val="15000"/>
+                  </a:schemeClr>
+                </a:solidFill>
+                <a:latin typeface="+mn-ea"/>
+                <a:sym typeface="+mn-ea"/>
+              </a:rPr>
+              <a:t>分析统计量，并取最大值作为最终结果，同时校正多重检验和样本重叠的影响。</a:t>
+            </a:r>
+            <a:r>
+              <a:rPr lang="en-US" altLang="zh-CN" sz="1600" kern="0" dirty="0">
+                <a:ln>
+                  <a:noFill/>
+                  <a:prstDash val="sysDot"/>
+                </a:ln>
+                <a:solidFill>
+                  <a:schemeClr val="tx1">
+                    <a:lumMod val="85000"/>
+                    <a:lumOff val="15000"/>
+                  </a:schemeClr>
+                </a:solidFill>
+                <a:latin typeface="+mn-ea"/>
+                <a:sym typeface="+mn-ea"/>
+              </a:rPr>
+              <a:t>ASSET</a:t>
+            </a:r>
+            <a:r>
+              <a:rPr lang="zh-CN" altLang="en-US" sz="1600" kern="0" dirty="0">
+                <a:ln>
+                  <a:noFill/>
+                  <a:prstDash val="sysDot"/>
+                </a:ln>
+                <a:solidFill>
+                  <a:schemeClr val="tx1">
+                    <a:lumMod val="85000"/>
+                    <a:lumOff val="15000"/>
+                  </a:schemeClr>
+                </a:solidFill>
+                <a:latin typeface="+mn-ea"/>
+                <a:sym typeface="+mn-ea"/>
+              </a:rPr>
+              <a:t>不仅能提供整体关联的显著性，还能识别贡献最大的研究子集，并支持双向效应（正</a:t>
+            </a:r>
+            <a:r>
+              <a:rPr lang="en-US" altLang="zh-CN" sz="1600" kern="0" dirty="0">
+                <a:ln>
+                  <a:noFill/>
+                  <a:prstDash val="sysDot"/>
+                </a:ln>
+                <a:solidFill>
+                  <a:schemeClr val="tx1">
+                    <a:lumMod val="85000"/>
+                    <a:lumOff val="15000"/>
+                  </a:schemeClr>
+                </a:solidFill>
+                <a:latin typeface="+mn-ea"/>
+                <a:sym typeface="+mn-ea"/>
+              </a:rPr>
+              <a:t>/</a:t>
+            </a:r>
+            <a:r>
+              <a:rPr lang="zh-CN" altLang="en-US" sz="1600" kern="0" dirty="0">
+                <a:ln>
+                  <a:noFill/>
+                  <a:prstDash val="sysDot"/>
+                </a:ln>
+                <a:solidFill>
+                  <a:schemeClr val="tx1">
+                    <a:lumMod val="85000"/>
+                    <a:lumOff val="15000"/>
+                  </a:schemeClr>
+                </a:solidFill>
+                <a:latin typeface="+mn-ea"/>
+                <a:sym typeface="+mn-ea"/>
+              </a:rPr>
+              <a:t>负关联）的检测。虽然最初为遗传分析设计，但也适用于非遗传风险因素的研究。其核心优势在于灵活处理异质性数据，精准定位关联信号来源。</a:t>
             </a:r>
             <a:endParaRPr lang="zh-CN" altLang="en-US" sz="1600" kern="0" dirty="0">
               <a:ln>
@@ -5151,7 +5312,7 @@
               </a:lnSpc>
             </a:pPr>
             <a:r>
-              <a:rPr lang="zh-CN" altLang="en-US" sz="1600" kern="0" dirty="0">
+              <a:rPr lang="en-US" altLang="zh-CN" sz="1600" kern="0" dirty="0">
                 <a:ln>
                   <a:noFill/>
                   <a:prstDash val="sysDot"/>
@@ -5165,8 +5326,29 @@
                 <a:latin typeface="+mn-ea"/>
                 <a:sym typeface="+mn-ea"/>
               </a:rPr>
-              <a:t>Andreassen, O.A. et al. Improved detection of common variants associated with schizophrenia and bipolar disorder using pleiotropy-informed conditional false discovery rate. PLoS Genet 9, e1003455 (2013).</a:t>
-            </a:r>
+              <a:t>Bhattacharjee S, Qi G, Chatterjee N, Wheeler W (2024). ASSET: An R package for subset-based association analysis of heterogeneous traits and subtypes. R package version 2.24.0.</a:t>
+            </a:r>
+            <a:endParaRPr lang="en-US" altLang="zh-CN" sz="1600" kern="0" dirty="0">
+              <a:ln>
+                <a:noFill/>
+                <a:prstDash val="sysDot"/>
+              </a:ln>
+              <a:solidFill>
+                <a:schemeClr val="tx1">
+                  <a:lumMod val="85000"/>
+                  <a:lumOff val="15000"/>
+                </a:schemeClr>
+              </a:solidFill>
+              <a:latin typeface="+mn-ea"/>
+              <a:sym typeface="+mn-ea"/>
+            </a:endParaRPr>
+          </a:p>
+          <a:p>
+            <a:pPr marL="0" lvl="0" indent="0" fontAlgn="auto">
+              <a:lnSpc>
+                <a:spcPct val="150000"/>
+              </a:lnSpc>
+            </a:pPr>
             <a:endParaRPr lang="zh-CN" altLang="en-US" sz="1600" kern="0" dirty="0">
               <a:ln>
                 <a:noFill/>
@@ -6260,9 +6442,13 @@
           <a:p>
             <a:r>
               <a:rPr lang="zh-CN" altLang="en-US"/>
-              <a:t>因果推断：CAUSE</a:t>
-            </a:r>
-            <a:endParaRPr lang="zh-CN" altLang="en-US"/>
+              <a:t>因果推断：</a:t>
+            </a:r>
+            <a:r>
+              <a:rPr lang="en-US" altLang="zh-CN"/>
+              <a:t>GSMR</a:t>
+            </a:r>
+            <a:endParaRPr lang="en-US" altLang="zh-CN"/>
           </a:p>
         </p:txBody>
       </p:sp>
@@ -6433,6 +6619,23 @@
               </a:lnSpc>
             </a:pPr>
             <a:r>
+              <a:rPr lang="en-US" altLang="zh-CN" sz="1600" kern="0" dirty="0">
+                <a:ln>
+                  <a:noFill/>
+                  <a:prstDash val="sysDot"/>
+                </a:ln>
+                <a:solidFill>
+                  <a:schemeClr val="tx1">
+                    <a:lumMod val="85000"/>
+                    <a:lumOff val="15000"/>
+                  </a:schemeClr>
+                </a:solidFill>
+                <a:latin typeface="+mn-ea"/>
+                <a:sym typeface="+mn-ea"/>
+              </a:rPr>
+              <a:t>GSMR </a:t>
+            </a:r>
+            <a:r>
               <a:rPr lang="zh-CN" altLang="en-US" sz="1600" kern="0" dirty="0">
                 <a:ln>
                   <a:noFill/>
@@ -6447,7 +6650,143 @@
                 <a:latin typeface="+mn-ea"/>
                 <a:sym typeface="+mn-ea"/>
               </a:rPr>
-              <a:t>CAUSE(基于汇总效应估计的因果分析)是一种创新的孟德尔随机化方法,通过同时建模相关和不相关的水平多效性效应,有效解决了传统MR方法在存在遗传混杂时的假阳性问题。该方法采用贝叶斯框架区分因果性和非因果性多效性,相比IVW和MR-Egger等方法,在保持统计效力的同时显著提高了对相关多效性的稳健性。实际应用表明,CAUSE能准确识别文献支持的因果关系,同时避免约30%由传统方法产生的潜在假阳性结果,为GWAS时代的因果推断提供了更可靠的解决方案。​</a:t>
+              <a:t>是一种基于</a:t>
+            </a:r>
+            <a:r>
+              <a:rPr lang="en-US" altLang="zh-CN" sz="1600" kern="0" dirty="0">
+                <a:ln>
+                  <a:noFill/>
+                  <a:prstDash val="sysDot"/>
+                </a:ln>
+                <a:solidFill>
+                  <a:schemeClr val="tx1">
+                    <a:lumMod val="85000"/>
+                    <a:lumOff val="15000"/>
+                  </a:schemeClr>
+                </a:solidFill>
+                <a:latin typeface="+mn-ea"/>
+                <a:sym typeface="+mn-ea"/>
+              </a:rPr>
+              <a:t>GWAS</a:t>
+            </a:r>
+            <a:r>
+              <a:rPr lang="zh-CN" altLang="en-US" sz="1600" kern="0" dirty="0">
+                <a:ln>
+                  <a:noFill/>
+                  <a:prstDash val="sysDot"/>
+                </a:ln>
+                <a:solidFill>
+                  <a:schemeClr val="tx1">
+                    <a:lumMod val="85000"/>
+                    <a:lumOff val="15000"/>
+                  </a:schemeClr>
+                </a:solidFill>
+                <a:latin typeface="+mn-ea"/>
+                <a:sym typeface="+mn-ea"/>
+              </a:rPr>
+              <a:t>汇总数据的广义孟德尔随机化（</a:t>
+            </a:r>
+            <a:r>
+              <a:rPr lang="en-US" altLang="zh-CN" sz="1600" kern="0" dirty="0">
+                <a:ln>
+                  <a:noFill/>
+                  <a:prstDash val="sysDot"/>
+                </a:ln>
+                <a:solidFill>
+                  <a:schemeClr val="tx1">
+                    <a:lumMod val="85000"/>
+                    <a:lumOff val="15000"/>
+                  </a:schemeClr>
+                </a:solidFill>
+                <a:latin typeface="+mn-ea"/>
+                <a:sym typeface="+mn-ea"/>
+              </a:rPr>
+              <a:t>MR</a:t>
+            </a:r>
+            <a:r>
+              <a:rPr lang="zh-CN" altLang="en-US" sz="1600" kern="0" dirty="0">
+                <a:ln>
+                  <a:noFill/>
+                  <a:prstDash val="sysDot"/>
+                </a:ln>
+                <a:solidFill>
+                  <a:schemeClr val="tx1">
+                    <a:lumMod val="85000"/>
+                    <a:lumOff val="15000"/>
+                  </a:schemeClr>
+                </a:solidFill>
+                <a:latin typeface="+mn-ea"/>
+                <a:sym typeface="+mn-ea"/>
+              </a:rPr>
+              <a:t>）</a:t>
+            </a:r>
+            <a:r>
+              <a:rPr lang="en-US" altLang="zh-CN" sz="1600" kern="0" dirty="0">
+                <a:ln>
+                  <a:noFill/>
+                  <a:prstDash val="sysDot"/>
+                </a:ln>
+                <a:solidFill>
+                  <a:schemeClr val="tx1">
+                    <a:lumMod val="85000"/>
+                    <a:lumOff val="15000"/>
+                  </a:schemeClr>
+                </a:solidFill>
+                <a:latin typeface="+mn-ea"/>
+                <a:sym typeface="+mn-ea"/>
+              </a:rPr>
+              <a:t>​</a:t>
+            </a:r>
+            <a:r>
+              <a:rPr lang="zh-CN" altLang="en-US" sz="1600" kern="0" dirty="0">
+                <a:ln>
+                  <a:noFill/>
+                  <a:prstDash val="sysDot"/>
+                </a:ln>
+                <a:solidFill>
+                  <a:schemeClr val="tx1">
+                    <a:lumMod val="85000"/>
+                    <a:lumOff val="15000"/>
+                  </a:schemeClr>
+                </a:solidFill>
+                <a:latin typeface="+mn-ea"/>
+                <a:sym typeface="+mn-ea"/>
+              </a:rPr>
+              <a:t>方法，用于评估暴露因素（如基因表达、蛋白质水平）对复杂性状（如疾病风险）的因果效应。其核心创新在于利用多效性校正模型和工具变量（</a:t>
+            </a:r>
+            <a:r>
+              <a:rPr lang="en-US" altLang="zh-CN" sz="1600" kern="0" dirty="0">
+                <a:ln>
+                  <a:noFill/>
+                  <a:prstDash val="sysDot"/>
+                </a:ln>
+                <a:solidFill>
+                  <a:schemeClr val="tx1">
+                    <a:lumMod val="85000"/>
+                    <a:lumOff val="15000"/>
+                  </a:schemeClr>
+                </a:solidFill>
+                <a:latin typeface="+mn-ea"/>
+                <a:sym typeface="+mn-ea"/>
+              </a:rPr>
+              <a:t>IV</a:t>
+            </a:r>
+            <a:r>
+              <a:rPr lang="zh-CN" altLang="en-US" sz="1600" kern="0" dirty="0">
+                <a:ln>
+                  <a:noFill/>
+                  <a:prstDash val="sysDot"/>
+                </a:ln>
+                <a:solidFill>
+                  <a:schemeClr val="tx1">
+                    <a:lumMod val="85000"/>
+                    <a:lumOff val="15000"/>
+                  </a:schemeClr>
+                </a:solidFill>
+                <a:latin typeface="+mn-ea"/>
+                <a:sym typeface="+mn-ea"/>
+              </a:rPr>
+              <a:t>）筛选策略，提高因果推断的准确性和统计效力。</a:t>
             </a:r>
             <a:endParaRPr lang="zh-CN" altLang="en-US" sz="1600" kern="0" dirty="0">
               <a:ln>
@@ -6509,7 +6848,7 @@
               </a:lnSpc>
             </a:pPr>
             <a:r>
-              <a:rPr lang="zh-CN" altLang="en-US" sz="1600" kern="0" dirty="0">
+              <a:rPr lang="en-US" altLang="zh-CN" sz="1600" kern="0" dirty="0">
                 <a:ln>
                   <a:noFill/>
                   <a:prstDash val="sysDot"/>
@@ -6523,8 +6862,29 @@
                 <a:latin typeface="+mn-ea"/>
                 <a:sym typeface="+mn-ea"/>
               </a:rPr>
-              <a:t>Morrison, J., Knoblauch, N., Marcus, J.H. et al. Mendelian randomization accounting for correlated and uncorrelated pleiotropic effects using genome-wide summary statistics. Nat Genet 52, 740–747 (2020).</a:t>
-            </a:r>
+              <a:t>Zhu, Z., Zheng, Z., Zhang, F. et al. Causal associations between risk factors and common diseases inferred from GWAS summary data. Nat Commun 9, 224 (2018).</a:t>
+            </a:r>
+            <a:endParaRPr lang="en-US" altLang="zh-CN" sz="1600" kern="0" dirty="0">
+              <a:ln>
+                <a:noFill/>
+                <a:prstDash val="sysDot"/>
+              </a:ln>
+              <a:solidFill>
+                <a:schemeClr val="tx1">
+                  <a:lumMod val="85000"/>
+                  <a:lumOff val="15000"/>
+                </a:schemeClr>
+              </a:solidFill>
+              <a:latin typeface="+mn-ea"/>
+              <a:sym typeface="+mn-ea"/>
+            </a:endParaRPr>
+          </a:p>
+          <a:p>
+            <a:pPr marL="0" lvl="0" indent="0" fontAlgn="auto">
+              <a:lnSpc>
+                <a:spcPct val="150000"/>
+              </a:lnSpc>
+            </a:pPr>
             <a:endParaRPr lang="zh-CN" altLang="en-US" sz="1600" kern="0" dirty="0">
               <a:ln>
                 <a:noFill/>
